--- a/documents/Presentation.pptx
+++ b/documents/Presentation.pptx
@@ -18,22 +18,22 @@
   <p:notesSz cx="6858000" cy="9144000"/>
   <p:embeddedFontLst>
     <p:embeddedFont>
+      <p:font typeface="Concert One" panose="020B0604020202020204" charset="0"/>
+      <p:regular r:id="rId10"/>
+    </p:embeddedFont>
+    <p:embeddedFont>
       <p:font typeface="Archivo" panose="020B0604020202020204" charset="0"/>
-      <p:regular r:id="rId10"/>
-      <p:bold r:id="rId11"/>
-      <p:italic r:id="rId12"/>
-      <p:boldItalic r:id="rId13"/>
+      <p:regular r:id="rId11"/>
+      <p:bold r:id="rId12"/>
+      <p:italic r:id="rId13"/>
+      <p:boldItalic r:id="rId14"/>
     </p:embeddedFont>
     <p:embeddedFont>
       <p:font typeface="Proxima Nova" panose="020B0604020202020204" charset="0"/>
-      <p:regular r:id="rId14"/>
-      <p:bold r:id="rId15"/>
-      <p:italic r:id="rId16"/>
-      <p:boldItalic r:id="rId17"/>
-    </p:embeddedFont>
-    <p:embeddedFont>
-      <p:font typeface="Concert One" panose="020B0604020202020204" charset="0"/>
-      <p:regular r:id="rId18"/>
+      <p:regular r:id="rId15"/>
+      <p:bold r:id="rId16"/>
+      <p:italic r:id="rId17"/>
+      <p:boldItalic r:id="rId18"/>
     </p:embeddedFont>
   </p:embeddedFontLst>
   <p:defaultTextStyle>
@@ -1213,19 +1213,7 @@
             <a:rPr lang="en-US" sz="1800" dirty="0" smtClean="0">
               <a:latin typeface="Concert One" panose="020B0604020202020204" charset="0"/>
             </a:rPr>
-            <a:t>We </a:t>
-          </a:r>
-          <a:r>
-            <a:rPr lang="en-US" sz="1800" dirty="0" smtClean="0">
-              <a:latin typeface="Concert One" panose="020B0604020202020204" charset="0"/>
-            </a:rPr>
-            <a:t>created </a:t>
-          </a:r>
-          <a:r>
-            <a:rPr lang="en-US" sz="1800" dirty="0" smtClean="0">
-              <a:latin typeface="Concert One" panose="020B0604020202020204" charset="0"/>
-            </a:rPr>
-            <a:t>a logo</a:t>
+            <a:t>We created a logo</a:t>
           </a:r>
           <a:endParaRPr lang="en-US" sz="1800" dirty="0">
             <a:latin typeface="Concert One" panose="020B0604020202020204" charset="0"/>
@@ -1372,13 +1360,7 @@
             <a:rPr lang="en-US" sz="1800" smtClean="0">
               <a:latin typeface="Concert One" panose="020B0604020202020204" charset="0"/>
             </a:rPr>
-            <a:t>We </a:t>
-          </a:r>
-          <a:r>
-            <a:rPr lang="en-US" sz="1800" smtClean="0">
-              <a:latin typeface="Concert One" panose="020B0604020202020204" charset="0"/>
-            </a:rPr>
-            <a:t>created </a:t>
+            <a:t>We created </a:t>
           </a:r>
           <a:r>
             <a:rPr lang="en-US" sz="1800" dirty="0" smtClean="0">
@@ -1632,29 +1614,29 @@
     </dgm:pt>
   </dgm:ptLst>
   <dgm:cxnLst>
-    <dgm:cxn modelId="{9CEA1891-24F1-4A69-BA19-7453A09638FD}" type="presOf" srcId="{3B7F35E3-D35F-4E9A-9D4A-210DA025A0F0}" destId="{9BA1D382-6DE6-48B7-988E-C9F5113915EE}" srcOrd="0" destOrd="0" presId="urn:microsoft.com/office/officeart/2005/8/layout/process5"/>
-    <dgm:cxn modelId="{65321A91-68A6-49D7-817C-D1EC4AC29687}" type="presOf" srcId="{6E14D921-8A95-4916-B927-3F1181CF9F40}" destId="{5E8867D7-D22F-49AF-9B89-9AC14724801F}" srcOrd="1" destOrd="0" presId="urn:microsoft.com/office/officeart/2005/8/layout/process5"/>
-    <dgm:cxn modelId="{FDFCE99B-9942-44DE-A877-6745FC65B888}" srcId="{46294476-EBC3-4585-A1D4-AFEB26E81FA8}" destId="{27604B0E-F101-4866-87CF-8F000CB2E483}" srcOrd="0" destOrd="0" parTransId="{8A962511-4115-44F3-8626-2C4C20FF4B84}" sibTransId="{3508E934-413A-4C30-A27A-91CF65273019}"/>
-    <dgm:cxn modelId="{445BD231-4DE1-4396-93FD-98F3873501FF}" type="presOf" srcId="{06142C71-73D2-4457-B990-03D5273DBD5E}" destId="{266A6F8B-BD19-4CA1-8F69-3ECDE410FB8E}" srcOrd="0" destOrd="0" presId="urn:microsoft.com/office/officeart/2005/8/layout/process5"/>
-    <dgm:cxn modelId="{D3495FB0-FE93-4A23-9D0B-FBF759719D47}" srcId="{46294476-EBC3-4585-A1D4-AFEB26E81FA8}" destId="{8190FA22-BEAD-4725-8BB8-9BF485F358F8}" srcOrd="1" destOrd="0" parTransId="{1050350E-DFAB-4971-B006-03329DA189F4}" sibTransId="{844773CE-66CB-4FB7-A3D8-8F2009EABB45}"/>
-    <dgm:cxn modelId="{879A9DE9-815B-450B-9BD6-FAC7A971AAD6}" type="presOf" srcId="{6E14D921-8A95-4916-B927-3F1181CF9F40}" destId="{F72BC9D7-1160-48F4-B490-15C7F428B09A}" srcOrd="0" destOrd="0" presId="urn:microsoft.com/office/officeart/2005/8/layout/process5"/>
-    <dgm:cxn modelId="{042B8995-5618-4BE7-ADF7-54182C8F9CC9}" type="presOf" srcId="{05E30910-C2ED-4BBE-91A8-DDEC4503E85A}" destId="{2FB6F846-B183-4C74-8774-9E58C969A4E1}" srcOrd="1" destOrd="0" presId="urn:microsoft.com/office/officeart/2005/8/layout/process5"/>
-    <dgm:cxn modelId="{C5A77FE7-1C12-4FA7-9BA2-1BA59C5F18AA}" type="presOf" srcId="{844773CE-66CB-4FB7-A3D8-8F2009EABB45}" destId="{D65855CC-5EAA-455A-BED4-E611C5BA03BB}" srcOrd="0" destOrd="0" presId="urn:microsoft.com/office/officeart/2005/8/layout/process5"/>
-    <dgm:cxn modelId="{B6C03173-D6AD-4FF1-A432-CE43EDEFA781}" type="presOf" srcId="{F98F64DC-5C79-47C2-85CB-34B007AC568C}" destId="{3C7F90F0-BE81-4901-BABB-49C86CCD2CBC}" srcOrd="0" destOrd="0" presId="urn:microsoft.com/office/officeart/2005/8/layout/process5"/>
-    <dgm:cxn modelId="{7B4B85ED-0078-4E38-9902-EC48142DE929}" type="presOf" srcId="{A979148E-58DE-4F39-A2D3-C4FB9A083EF9}" destId="{1BBA0522-5533-4FC3-A641-AC225D16844B}" srcOrd="0" destOrd="0" presId="urn:microsoft.com/office/officeart/2005/8/layout/process5"/>
-    <dgm:cxn modelId="{A8C9A9A9-27C4-4360-BA2C-1BEF3990401E}" type="presOf" srcId="{844773CE-66CB-4FB7-A3D8-8F2009EABB45}" destId="{114B6121-1C91-44EE-B9C2-37B6132AAF7F}" srcOrd="1" destOrd="0" presId="urn:microsoft.com/office/officeart/2005/8/layout/process5"/>
-    <dgm:cxn modelId="{DCA5CEF5-EDC7-47D5-818A-0C7FBEA3ABB9}" srcId="{46294476-EBC3-4585-A1D4-AFEB26E81FA8}" destId="{06142C71-73D2-4457-B990-03D5273DBD5E}" srcOrd="3" destOrd="0" parTransId="{4C9AC614-0F7F-4B07-A4B0-6520F9D617FA}" sibTransId="{6E14D921-8A95-4916-B927-3F1181CF9F40}"/>
-    <dgm:cxn modelId="{B744C08E-DAF4-46F6-A2C6-3DDCCC2F3E7C}" type="presOf" srcId="{05E30910-C2ED-4BBE-91A8-DDEC4503E85A}" destId="{5621AC5D-7545-4D3B-AFEB-2954560C8A82}" srcOrd="0" destOrd="0" presId="urn:microsoft.com/office/officeart/2005/8/layout/process5"/>
     <dgm:cxn modelId="{F94764D9-C2AC-49D8-8B32-9AB467654802}" type="presOf" srcId="{27604B0E-F101-4866-87CF-8F000CB2E483}" destId="{0AE25DDD-6D4A-4484-BB9E-CF8F071F96B7}" srcOrd="0" destOrd="0" presId="urn:microsoft.com/office/officeart/2005/8/layout/process5"/>
     <dgm:cxn modelId="{C948280A-517F-4AA0-A5BB-62B4C011BF89}" type="presOf" srcId="{46294476-EBC3-4585-A1D4-AFEB26E81FA8}" destId="{96CC5194-ED48-4286-AB7D-84D0C8A0D8D7}" srcOrd="0" destOrd="0" presId="urn:microsoft.com/office/officeart/2005/8/layout/process5"/>
+    <dgm:cxn modelId="{483F018F-A4FE-4E83-92C5-B7A935B365B5}" type="presOf" srcId="{3508E934-413A-4C30-A27A-91CF65273019}" destId="{CAC7E472-CD66-4791-AA50-4E093276C9C0}" srcOrd="1" destOrd="0" presId="urn:microsoft.com/office/officeart/2005/8/layout/process5"/>
+    <dgm:cxn modelId="{9CEA1891-24F1-4A69-BA19-7453A09638FD}" type="presOf" srcId="{3B7F35E3-D35F-4E9A-9D4A-210DA025A0F0}" destId="{9BA1D382-6DE6-48B7-988E-C9F5113915EE}" srcOrd="0" destOrd="0" presId="urn:microsoft.com/office/officeart/2005/8/layout/process5"/>
+    <dgm:cxn modelId="{9CD242BE-7699-4B50-8BC9-ABA6B6C20349}" srcId="{46294476-EBC3-4585-A1D4-AFEB26E81FA8}" destId="{F98F64DC-5C79-47C2-85CB-34B007AC568C}" srcOrd="2" destOrd="0" parTransId="{0CD1AB90-077B-40A8-B908-18532FC0FB31}" sibTransId="{05E30910-C2ED-4BBE-91A8-DDEC4503E85A}"/>
+    <dgm:cxn modelId="{D3495FB0-FE93-4A23-9D0B-FBF759719D47}" srcId="{46294476-EBC3-4585-A1D4-AFEB26E81FA8}" destId="{8190FA22-BEAD-4725-8BB8-9BF485F358F8}" srcOrd="1" destOrd="0" parTransId="{1050350E-DFAB-4971-B006-03329DA189F4}" sibTransId="{844773CE-66CB-4FB7-A3D8-8F2009EABB45}"/>
+    <dgm:cxn modelId="{B744C08E-DAF4-46F6-A2C6-3DDCCC2F3E7C}" type="presOf" srcId="{05E30910-C2ED-4BBE-91A8-DDEC4503E85A}" destId="{5621AC5D-7545-4D3B-AFEB-2954560C8A82}" srcOrd="0" destOrd="0" presId="urn:microsoft.com/office/officeart/2005/8/layout/process5"/>
+    <dgm:cxn modelId="{B6C03173-D6AD-4FF1-A432-CE43EDEFA781}" type="presOf" srcId="{F98F64DC-5C79-47C2-85CB-34B007AC568C}" destId="{3C7F90F0-BE81-4901-BABB-49C86CCD2CBC}" srcOrd="0" destOrd="0" presId="urn:microsoft.com/office/officeart/2005/8/layout/process5"/>
+    <dgm:cxn modelId="{879A9DE9-815B-450B-9BD6-FAC7A971AAD6}" type="presOf" srcId="{6E14D921-8A95-4916-B927-3F1181CF9F40}" destId="{F72BC9D7-1160-48F4-B490-15C7F428B09A}" srcOrd="0" destOrd="0" presId="urn:microsoft.com/office/officeart/2005/8/layout/process5"/>
+    <dgm:cxn modelId="{A8C9A9A9-27C4-4360-BA2C-1BEF3990401E}" type="presOf" srcId="{844773CE-66CB-4FB7-A3D8-8F2009EABB45}" destId="{114B6121-1C91-44EE-B9C2-37B6132AAF7F}" srcOrd="1" destOrd="0" presId="urn:microsoft.com/office/officeart/2005/8/layout/process5"/>
+    <dgm:cxn modelId="{AF75CF08-AC42-44AE-875C-8F9DBE620CD7}" type="presOf" srcId="{A979148E-58DE-4F39-A2D3-C4FB9A083EF9}" destId="{BD004D4B-C15A-48AE-8345-BA2C66903EBF}" srcOrd="1" destOrd="0" presId="urn:microsoft.com/office/officeart/2005/8/layout/process5"/>
+    <dgm:cxn modelId="{F53046DE-E516-4068-8692-6D57137E26A2}" srcId="{46294476-EBC3-4585-A1D4-AFEB26E81FA8}" destId="{0C8489BF-5B3B-4F4D-82B9-2A8ED6A33555}" srcOrd="5" destOrd="0" parTransId="{F5F8D56A-447C-4E62-879F-5DCB389B4DC9}" sibTransId="{AE67F6A8-1921-4B9D-A569-D30F6B2CFA90}"/>
+    <dgm:cxn modelId="{0FE0F3B0-C6BC-432D-8C36-95066C6DDA4A}" type="presOf" srcId="{8190FA22-BEAD-4725-8BB8-9BF485F358F8}" destId="{48F045BD-0FA8-4875-8C34-CA481ECE6C59}" srcOrd="0" destOrd="0" presId="urn:microsoft.com/office/officeart/2005/8/layout/process5"/>
+    <dgm:cxn modelId="{042B8995-5618-4BE7-ADF7-54182C8F9CC9}" type="presOf" srcId="{05E30910-C2ED-4BBE-91A8-DDEC4503E85A}" destId="{2FB6F846-B183-4C74-8774-9E58C969A4E1}" srcOrd="1" destOrd="0" presId="urn:microsoft.com/office/officeart/2005/8/layout/process5"/>
+    <dgm:cxn modelId="{DCA5CEF5-EDC7-47D5-818A-0C7FBEA3ABB9}" srcId="{46294476-EBC3-4585-A1D4-AFEB26E81FA8}" destId="{06142C71-73D2-4457-B990-03D5273DBD5E}" srcOrd="3" destOrd="0" parTransId="{4C9AC614-0F7F-4B07-A4B0-6520F9D617FA}" sibTransId="{6E14D921-8A95-4916-B927-3F1181CF9F40}"/>
+    <dgm:cxn modelId="{65321A91-68A6-49D7-817C-D1EC4AC29687}" type="presOf" srcId="{6E14D921-8A95-4916-B927-3F1181CF9F40}" destId="{5E8867D7-D22F-49AF-9B89-9AC14724801F}" srcOrd="1" destOrd="0" presId="urn:microsoft.com/office/officeart/2005/8/layout/process5"/>
+    <dgm:cxn modelId="{C5A77FE7-1C12-4FA7-9BA2-1BA59C5F18AA}" type="presOf" srcId="{844773CE-66CB-4FB7-A3D8-8F2009EABB45}" destId="{D65855CC-5EAA-455A-BED4-E611C5BA03BB}" srcOrd="0" destOrd="0" presId="urn:microsoft.com/office/officeart/2005/8/layout/process5"/>
+    <dgm:cxn modelId="{FDFCE99B-9942-44DE-A877-6745FC65B888}" srcId="{46294476-EBC3-4585-A1D4-AFEB26E81FA8}" destId="{27604B0E-F101-4866-87CF-8F000CB2E483}" srcOrd="0" destOrd="0" parTransId="{8A962511-4115-44F3-8626-2C4C20FF4B84}" sibTransId="{3508E934-413A-4C30-A27A-91CF65273019}"/>
+    <dgm:cxn modelId="{FF5A506F-D271-477C-A3BF-6D86934E8392}" srcId="{46294476-EBC3-4585-A1D4-AFEB26E81FA8}" destId="{3B7F35E3-D35F-4E9A-9D4A-210DA025A0F0}" srcOrd="4" destOrd="0" parTransId="{4DCD760E-D691-4413-BB4E-8CBC6DD04CA6}" sibTransId="{A979148E-58DE-4F39-A2D3-C4FB9A083EF9}"/>
+    <dgm:cxn modelId="{BC292721-396A-43DD-8366-3F77EA639F99}" type="presOf" srcId="{3508E934-413A-4C30-A27A-91CF65273019}" destId="{CFECC4BC-D11B-4A3A-AF9E-37071EE51EC8}" srcOrd="0" destOrd="0" presId="urn:microsoft.com/office/officeart/2005/8/layout/process5"/>
+    <dgm:cxn modelId="{445BD231-4DE1-4396-93FD-98F3873501FF}" type="presOf" srcId="{06142C71-73D2-4457-B990-03D5273DBD5E}" destId="{266A6F8B-BD19-4CA1-8F69-3ECDE410FB8E}" srcOrd="0" destOrd="0" presId="urn:microsoft.com/office/officeart/2005/8/layout/process5"/>
+    <dgm:cxn modelId="{7B4B85ED-0078-4E38-9902-EC48142DE929}" type="presOf" srcId="{A979148E-58DE-4F39-A2D3-C4FB9A083EF9}" destId="{1BBA0522-5533-4FC3-A641-AC225D16844B}" srcOrd="0" destOrd="0" presId="urn:microsoft.com/office/officeart/2005/8/layout/process5"/>
     <dgm:cxn modelId="{3D61A4F3-5F89-4A21-A99D-80A918CA7750}" type="presOf" srcId="{0C8489BF-5B3B-4F4D-82B9-2A8ED6A33555}" destId="{AD4CFFF8-DE9E-4B85-98A2-07CC9CD1834E}" srcOrd="0" destOrd="0" presId="urn:microsoft.com/office/officeart/2005/8/layout/process5"/>
-    <dgm:cxn modelId="{483F018F-A4FE-4E83-92C5-B7A935B365B5}" type="presOf" srcId="{3508E934-413A-4C30-A27A-91CF65273019}" destId="{CAC7E472-CD66-4791-AA50-4E093276C9C0}" srcOrd="1" destOrd="0" presId="urn:microsoft.com/office/officeart/2005/8/layout/process5"/>
-    <dgm:cxn modelId="{BC292721-396A-43DD-8366-3F77EA639F99}" type="presOf" srcId="{3508E934-413A-4C30-A27A-91CF65273019}" destId="{CFECC4BC-D11B-4A3A-AF9E-37071EE51EC8}" srcOrd="0" destOrd="0" presId="urn:microsoft.com/office/officeart/2005/8/layout/process5"/>
-    <dgm:cxn modelId="{F53046DE-E516-4068-8692-6D57137E26A2}" srcId="{46294476-EBC3-4585-A1D4-AFEB26E81FA8}" destId="{0C8489BF-5B3B-4F4D-82B9-2A8ED6A33555}" srcOrd="5" destOrd="0" parTransId="{F5F8D56A-447C-4E62-879F-5DCB389B4DC9}" sibTransId="{AE67F6A8-1921-4B9D-A569-D30F6B2CFA90}"/>
-    <dgm:cxn modelId="{FF5A506F-D271-477C-A3BF-6D86934E8392}" srcId="{46294476-EBC3-4585-A1D4-AFEB26E81FA8}" destId="{3B7F35E3-D35F-4E9A-9D4A-210DA025A0F0}" srcOrd="4" destOrd="0" parTransId="{4DCD760E-D691-4413-BB4E-8CBC6DD04CA6}" sibTransId="{A979148E-58DE-4F39-A2D3-C4FB9A083EF9}"/>
-    <dgm:cxn modelId="{0FE0F3B0-C6BC-432D-8C36-95066C6DDA4A}" type="presOf" srcId="{8190FA22-BEAD-4725-8BB8-9BF485F358F8}" destId="{48F045BD-0FA8-4875-8C34-CA481ECE6C59}" srcOrd="0" destOrd="0" presId="urn:microsoft.com/office/officeart/2005/8/layout/process5"/>
-    <dgm:cxn modelId="{9CD242BE-7699-4B50-8BC9-ABA6B6C20349}" srcId="{46294476-EBC3-4585-A1D4-AFEB26E81FA8}" destId="{F98F64DC-5C79-47C2-85CB-34B007AC568C}" srcOrd="2" destOrd="0" parTransId="{0CD1AB90-077B-40A8-B908-18532FC0FB31}" sibTransId="{05E30910-C2ED-4BBE-91A8-DDEC4503E85A}"/>
-    <dgm:cxn modelId="{AF75CF08-AC42-44AE-875C-8F9DBE620CD7}" type="presOf" srcId="{A979148E-58DE-4F39-A2D3-C4FB9A083EF9}" destId="{BD004D4B-C15A-48AE-8345-BA2C66903EBF}" srcOrd="1" destOrd="0" presId="urn:microsoft.com/office/officeart/2005/8/layout/process5"/>
     <dgm:cxn modelId="{56A6B794-64D8-4A9B-8508-0C3CF13E8166}" type="presParOf" srcId="{96CC5194-ED48-4286-AB7D-84D0C8A0D8D7}" destId="{0AE25DDD-6D4A-4484-BB9E-CF8F071F96B7}" srcOrd="0" destOrd="0" presId="urn:microsoft.com/office/officeart/2005/8/layout/process5"/>
     <dgm:cxn modelId="{06DA0ABA-F66B-45E2-8A5B-66DEFDE04AC8}" type="presParOf" srcId="{96CC5194-ED48-4286-AB7D-84D0C8A0D8D7}" destId="{CFECC4BC-D11B-4A3A-AF9E-37071EE51EC8}" srcOrd="1" destOrd="0" presId="urn:microsoft.com/office/officeart/2005/8/layout/process5"/>
     <dgm:cxn modelId="{FDD9120F-55AB-431F-8B5A-03CC045EC9FE}" type="presParOf" srcId="{CFECC4BC-D11B-4A3A-AF9E-37071EE51EC8}" destId="{CAC7E472-CD66-4791-AA50-4E093276C9C0}" srcOrd="0" destOrd="0" presId="urn:microsoft.com/office/officeart/2005/8/layout/process5"/>
@@ -2079,19 +2061,7 @@
             <a:rPr lang="en-US" sz="1800" kern="1200" dirty="0" smtClean="0">
               <a:latin typeface="Concert One" panose="020B0604020202020204" charset="0"/>
             </a:rPr>
-            <a:t>We </a:t>
-          </a:r>
-          <a:r>
-            <a:rPr lang="en-US" sz="1800" kern="1200" dirty="0" smtClean="0">
-              <a:latin typeface="Concert One" panose="020B0604020202020204" charset="0"/>
-            </a:rPr>
-            <a:t>created </a:t>
-          </a:r>
-          <a:r>
-            <a:rPr lang="en-US" sz="1800" kern="1200" dirty="0" smtClean="0">
-              <a:latin typeface="Concert One" panose="020B0604020202020204" charset="0"/>
-            </a:rPr>
-            <a:t>a logo</a:t>
+            <a:t>We created a logo</a:t>
           </a:r>
           <a:endParaRPr lang="en-US" sz="1800" kern="1200" dirty="0">
             <a:latin typeface="Concert One" panose="020B0604020202020204" charset="0"/>
@@ -2562,13 +2532,7 @@
             <a:rPr lang="en-US" sz="1800" kern="1200" smtClean="0">
               <a:latin typeface="Concert One" panose="020B0604020202020204" charset="0"/>
             </a:rPr>
-            <a:t>We </a:t>
-          </a:r>
-          <a:r>
-            <a:rPr lang="en-US" sz="1800" kern="1200" smtClean="0">
-              <a:latin typeface="Concert One" panose="020B0604020202020204" charset="0"/>
-            </a:rPr>
-            <a:t>created </a:t>
+            <a:t>We created </a:t>
           </a:r>
           <a:r>
             <a:rPr lang="en-US" sz="1800" kern="1200" dirty="0" smtClean="0">
@@ -21717,42 +21681,12 @@
       </p:sp>
       <p:pic>
         <p:nvPicPr>
-          <p:cNvPr id="6" name="Picture 5"/>
-          <p:cNvPicPr>
-            <a:picLocks noChangeAspect="1"/>
-          </p:cNvPicPr>
-          <p:nvPr/>
-        </p:nvPicPr>
-        <p:blipFill>
-          <a:blip r:embed="rId2">
-            <a:extLst>
-              <a:ext uri="{28A0092B-C50C-407E-A947-70E740481C1C}">
-                <a14:useLocalDpi xmlns:a14="http://schemas.microsoft.com/office/drawing/2010/main" val="0"/>
-              </a:ext>
-            </a:extLst>
-          </a:blip>
-          <a:stretch>
-            <a:fillRect/>
-          </a:stretch>
-        </p:blipFill>
-        <p:spPr>
-          <a:xfrm>
-            <a:off x="1768839" y="1081678"/>
-            <a:ext cx="5606321" cy="2835929"/>
-          </a:xfrm>
-          <a:prstGeom prst="rect">
-            <a:avLst/>
-          </a:prstGeom>
-        </p:spPr>
-      </p:pic>
-      <p:pic>
-        <p:nvPicPr>
           <p:cNvPr id="4" name="Google Shape;214;p39"/>
           <p:cNvPicPr preferRelativeResize="0"/>
           <p:nvPr/>
         </p:nvPicPr>
         <p:blipFill>
-          <a:blip r:embed="rId3">
+          <a:blip r:embed="rId2">
             <a:alphaModFix/>
           </a:blip>
           <a:stretch>
@@ -21780,7 +21714,7 @@
           <p:nvPr/>
         </p:nvPicPr>
         <p:blipFill>
-          <a:blip r:embed="rId4">
+          <a:blip r:embed="rId3">
             <a:alphaModFix/>
           </a:blip>
           <a:stretch>
@@ -21799,6 +21733,36 @@
           <a:ln>
             <a:noFill/>
           </a:ln>
+        </p:spPr>
+      </p:pic>
+      <p:pic>
+        <p:nvPicPr>
+          <p:cNvPr id="2" name="Picture 1"/>
+          <p:cNvPicPr>
+            <a:picLocks noChangeAspect="1"/>
+          </p:cNvPicPr>
+          <p:nvPr/>
+        </p:nvPicPr>
+        <p:blipFill>
+          <a:blip r:embed="rId4">
+            <a:extLst>
+              <a:ext uri="{28A0092B-C50C-407E-A947-70E740481C1C}">
+                <a14:useLocalDpi xmlns:a14="http://schemas.microsoft.com/office/drawing/2010/main" val="0"/>
+              </a:ext>
+            </a:extLst>
+          </a:blip>
+          <a:stretch>
+            <a:fillRect/>
+          </a:stretch>
+        </p:blipFill>
+        <p:spPr>
+          <a:xfrm>
+            <a:off x="2814911" y="998704"/>
+            <a:ext cx="3514178" cy="3978930"/>
+          </a:xfrm>
+          <a:prstGeom prst="rect">
+            <a:avLst/>
+          </a:prstGeom>
         </p:spPr>
       </p:pic>
     </p:spTree>
@@ -22558,7 +22522,7 @@
           <a:p>
             <a:pPr algn="ctr"/>
             <a:r>
-              <a:rPr lang="en-US" sz="4800" b="1" dirty="0" smtClean="0">
+              <a:rPr lang="en-US" sz="4800" b="1" dirty="0">
                 <a:effectLst>
                   <a:outerShdw blurRad="38100" dist="38100" dir="2700000" algn="tl">
                     <a:srgbClr val="000000">
@@ -22567,32 +22531,9 @@
                   </a:outerShdw>
                 </a:effectLst>
               </a:rPr>
-              <a:t>THANK YOU FOR </a:t>
+              <a:t>Now let us guide you to our game!</a:t>
             </a:r>
-            <a:br>
-              <a:rPr lang="en-US" sz="4800" b="1" dirty="0" smtClean="0">
-                <a:effectLst>
-                  <a:outerShdw blurRad="38100" dist="38100" dir="2700000" algn="tl">
-                    <a:srgbClr val="000000">
-                      <a:alpha val="43137"/>
-                    </a:srgbClr>
-                  </a:outerShdw>
-                </a:effectLst>
-              </a:rPr>
-            </a:br>
-            <a:r>
-              <a:rPr lang="en-US" sz="4800" b="1" dirty="0" smtClean="0">
-                <a:effectLst>
-                  <a:outerShdw blurRad="38100" dist="38100" dir="2700000" algn="tl">
-                    <a:srgbClr val="000000">
-                      <a:alpha val="43137"/>
-                    </a:srgbClr>
-                  </a:outerShdw>
-                </a:effectLst>
-              </a:rPr>
-              <a:t>YOUR ATTENTION!</a:t>
-            </a:r>
-            <a:endParaRPr lang="bg-BG" sz="4800" b="1" dirty="0">
+            <a:endParaRPr lang="bg-BG" sz="7200" b="1" dirty="0">
               <a:effectLst>
                 <a:outerShdw blurRad="38100" dist="38100" dir="2700000" algn="tl">
                   <a:srgbClr val="000000">

--- a/documents/Presentation.pptx
+++ b/documents/Presentation.pptx
@@ -18,18 +18,18 @@
   <p:notesSz cx="6858000" cy="9144000"/>
   <p:embeddedFontLst>
     <p:embeddedFont>
+      <p:font typeface="Proxima Nova" panose="020B0604020202020204" charset="0"/>
+      <p:regular r:id="rId10"/>
+      <p:bold r:id="rId11"/>
+      <p:italic r:id="rId12"/>
+      <p:boldItalic r:id="rId13"/>
+    </p:embeddedFont>
+    <p:embeddedFont>
       <p:font typeface="Concert One" panose="020B0604020202020204" charset="0"/>
-      <p:regular r:id="rId10"/>
+      <p:regular r:id="rId14"/>
     </p:embeddedFont>
     <p:embeddedFont>
       <p:font typeface="Archivo" panose="020B0604020202020204" charset="0"/>
-      <p:regular r:id="rId11"/>
-      <p:bold r:id="rId12"/>
-      <p:italic r:id="rId13"/>
-      <p:boldItalic r:id="rId14"/>
-    </p:embeddedFont>
-    <p:embeddedFont>
-      <p:font typeface="Proxima Nova" panose="020B0604020202020204" charset="0"/>
       <p:regular r:id="rId15"/>
       <p:bold r:id="rId16"/>
       <p:italic r:id="rId17"/>
@@ -1213,7 +1213,19 @@
             <a:rPr lang="en-US" sz="1800" dirty="0" smtClean="0">
               <a:latin typeface="Concert One" panose="020B0604020202020204" charset="0"/>
             </a:rPr>
-            <a:t>We created a logo</a:t>
+            <a:t>We created </a:t>
+          </a:r>
+          <a:r>
+            <a:rPr lang="en-US" sz="1800" dirty="0" smtClean="0">
+              <a:latin typeface="Concert One" panose="020B0604020202020204" charset="0"/>
+            </a:rPr>
+            <a:t>the </a:t>
+          </a:r>
+          <a:r>
+            <a:rPr lang="en-US" sz="1800" dirty="0" smtClean="0">
+              <a:latin typeface="Concert One" panose="020B0604020202020204" charset="0"/>
+            </a:rPr>
+            <a:t>logo</a:t>
           </a:r>
           <a:endParaRPr lang="en-US" sz="1800" dirty="0">
             <a:latin typeface="Concert One" panose="020B0604020202020204" charset="0"/>
@@ -2061,7 +2073,19 @@
             <a:rPr lang="en-US" sz="1800" kern="1200" dirty="0" smtClean="0">
               <a:latin typeface="Concert One" panose="020B0604020202020204" charset="0"/>
             </a:rPr>
-            <a:t>We created a logo</a:t>
+            <a:t>We created </a:t>
+          </a:r>
+          <a:r>
+            <a:rPr lang="en-US" sz="1800" kern="1200" dirty="0" smtClean="0">
+              <a:latin typeface="Concert One" panose="020B0604020202020204" charset="0"/>
+            </a:rPr>
+            <a:t>the </a:t>
+          </a:r>
+          <a:r>
+            <a:rPr lang="en-US" sz="1800" kern="1200" dirty="0" smtClean="0">
+              <a:latin typeface="Concert One" panose="020B0604020202020204" charset="0"/>
+            </a:rPr>
+            <a:t>logo</a:t>
           </a:r>
           <a:endParaRPr lang="en-US" sz="1800" kern="1200" dirty="0">
             <a:latin typeface="Concert One" panose="020B0604020202020204" charset="0"/>
@@ -13734,7 +13758,7 @@
                 <a:hlinkClick r:id="rId3">
                   <a:extLst>
                     <a:ext uri="{A12FA001-AC4F-418D-AE19-62706E023703}">
-                      <ahyp:hlinkClr xmlns:ahyp="http://schemas.microsoft.com/office/drawing/2018/hyperlinkcolor" xmlns:p15="http://schemas.microsoft.com/office/powerpoint/2012/main" xmlns:p14="http://schemas.microsoft.com/office/powerpoint/2010/main" xmlns:com="http://schemas.openxmlformats.org/drawingml/2006/compatibility" xmlns:pvml="urn:schemas-microsoft-com:office:powerpoint" xmlns:v="urn:schemas-microsoft-com:vml" xmlns:o="urn:schemas-microsoft-com:office:office" xmlns:dgm="http://schemas.openxmlformats.org/drawingml/2006/diagram" xmlns:c="http://schemas.openxmlformats.org/drawingml/2006/chart" xmlns:mv="urn:schemas-microsoft-com:mac:vml" xmlns:mc="http://schemas.openxmlformats.org/markup-compatibility/2006" xmlns="" val="tx"/>
+                      <ahyp:hlinkClr xmlns="" xmlns:mc="http://schemas.openxmlformats.org/markup-compatibility/2006" xmlns:mv="urn:schemas-microsoft-com:mac:vml" xmlns:c="http://schemas.openxmlformats.org/drawingml/2006/chart" xmlns:dgm="http://schemas.openxmlformats.org/drawingml/2006/diagram" xmlns:o="urn:schemas-microsoft-com:office:office" xmlns:v="urn:schemas-microsoft-com:vml" xmlns:pvml="urn:schemas-microsoft-com:office:powerpoint" xmlns:com="http://schemas.openxmlformats.org/drawingml/2006/compatibility" xmlns:p14="http://schemas.microsoft.com/office/powerpoint/2010/main" xmlns:p15="http://schemas.microsoft.com/office/powerpoint/2012/main" xmlns:ahyp="http://schemas.microsoft.com/office/drawing/2018/hyperlinkcolor" val="tx"/>
                     </a:ext>
                   </a:extLst>
                 </a:hlinkClick>
@@ -13768,7 +13792,7 @@
                 <a:hlinkClick r:id="rId4">
                   <a:extLst>
                     <a:ext uri="{A12FA001-AC4F-418D-AE19-62706E023703}">
-                      <ahyp:hlinkClr xmlns:ahyp="http://schemas.microsoft.com/office/drawing/2018/hyperlinkcolor" xmlns:p15="http://schemas.microsoft.com/office/powerpoint/2012/main" xmlns:p14="http://schemas.microsoft.com/office/powerpoint/2010/main" xmlns:com="http://schemas.openxmlformats.org/drawingml/2006/compatibility" xmlns:pvml="urn:schemas-microsoft-com:office:powerpoint" xmlns:v="urn:schemas-microsoft-com:vml" xmlns:o="urn:schemas-microsoft-com:office:office" xmlns:dgm="http://schemas.openxmlformats.org/drawingml/2006/diagram" xmlns:c="http://schemas.openxmlformats.org/drawingml/2006/chart" xmlns:mv="urn:schemas-microsoft-com:mac:vml" xmlns:mc="http://schemas.openxmlformats.org/markup-compatibility/2006" xmlns="" val="tx"/>
+                      <ahyp:hlinkClr xmlns="" xmlns:mc="http://schemas.openxmlformats.org/markup-compatibility/2006" xmlns:mv="urn:schemas-microsoft-com:mac:vml" xmlns:c="http://schemas.openxmlformats.org/drawingml/2006/chart" xmlns:dgm="http://schemas.openxmlformats.org/drawingml/2006/diagram" xmlns:o="urn:schemas-microsoft-com:office:office" xmlns:v="urn:schemas-microsoft-com:vml" xmlns:pvml="urn:schemas-microsoft-com:office:powerpoint" xmlns:com="http://schemas.openxmlformats.org/drawingml/2006/compatibility" xmlns:p14="http://schemas.microsoft.com/office/powerpoint/2010/main" xmlns:p15="http://schemas.microsoft.com/office/powerpoint/2012/main" xmlns:ahyp="http://schemas.microsoft.com/office/drawing/2018/hyperlinkcolor" val="tx"/>
                     </a:ext>
                   </a:extLst>
                 </a:hlinkClick>
@@ -13802,7 +13826,7 @@
                 <a:hlinkClick r:id="rId5">
                   <a:extLst>
                     <a:ext uri="{A12FA001-AC4F-418D-AE19-62706E023703}">
-                      <ahyp:hlinkClr xmlns:ahyp="http://schemas.microsoft.com/office/drawing/2018/hyperlinkcolor" xmlns:p15="http://schemas.microsoft.com/office/powerpoint/2012/main" xmlns:p14="http://schemas.microsoft.com/office/powerpoint/2010/main" xmlns:com="http://schemas.openxmlformats.org/drawingml/2006/compatibility" xmlns:pvml="urn:schemas-microsoft-com:office:powerpoint" xmlns:v="urn:schemas-microsoft-com:vml" xmlns:o="urn:schemas-microsoft-com:office:office" xmlns:dgm="http://schemas.openxmlformats.org/drawingml/2006/diagram" xmlns:c="http://schemas.openxmlformats.org/drawingml/2006/chart" xmlns:mv="urn:schemas-microsoft-com:mac:vml" xmlns:mc="http://schemas.openxmlformats.org/markup-compatibility/2006" xmlns="" val="tx"/>
+                      <ahyp:hlinkClr xmlns="" xmlns:mc="http://schemas.openxmlformats.org/markup-compatibility/2006" xmlns:mv="urn:schemas-microsoft-com:mac:vml" xmlns:c="http://schemas.openxmlformats.org/drawingml/2006/chart" xmlns:dgm="http://schemas.openxmlformats.org/drawingml/2006/diagram" xmlns:o="urn:schemas-microsoft-com:office:office" xmlns:v="urn:schemas-microsoft-com:vml" xmlns:pvml="urn:schemas-microsoft-com:office:powerpoint" xmlns:com="http://schemas.openxmlformats.org/drawingml/2006/compatibility" xmlns:p14="http://schemas.microsoft.com/office/powerpoint/2010/main" xmlns:p15="http://schemas.microsoft.com/office/powerpoint/2012/main" xmlns:ahyp="http://schemas.microsoft.com/office/drawing/2018/hyperlinkcolor" val="tx"/>
                     </a:ext>
                   </a:extLst>
                 </a:hlinkClick>
@@ -21300,7 +21324,7 @@
           <p:nvPr>
             <p:extLst>
               <p:ext uri="{D42A27DB-BD31-4B8C-83A1-F6EECF244321}">
-                <p14:modId xmlns:p14="http://schemas.microsoft.com/office/powerpoint/2010/main" val="3494810258"/>
+                <p14:modId xmlns:p14="http://schemas.microsoft.com/office/powerpoint/2010/main" val="1566379347"/>
               </p:ext>
             </p:extLst>
           </p:nvPr>

--- a/documents/Presentation.pptx
+++ b/documents/Presentation.pptx
@@ -7,8 +7,8 @@
   </p:sldMasterIdLst>
   <p:sldIdLst>
     <p:sldId id="256" r:id="rId3"/>
-    <p:sldId id="261" r:id="rId4"/>
-    <p:sldId id="258" r:id="rId5"/>
+    <p:sldId id="258" r:id="rId4"/>
+    <p:sldId id="261" r:id="rId5"/>
     <p:sldId id="265" r:id="rId6"/>
     <p:sldId id="262" r:id="rId7"/>
     <p:sldId id="263" r:id="rId8"/>
@@ -18,15 +18,15 @@
   <p:notesSz cx="6858000" cy="9144000"/>
   <p:embeddedFontLst>
     <p:embeddedFont>
-      <p:font typeface="Proxima Nova" panose="020B0604020202020204" charset="0"/>
+      <p:font typeface="Concert One" panose="020B0604020202020204" charset="0"/>
       <p:regular r:id="rId10"/>
-      <p:bold r:id="rId11"/>
-      <p:italic r:id="rId12"/>
-      <p:boldItalic r:id="rId13"/>
     </p:embeddedFont>
     <p:embeddedFont>
-      <p:font typeface="Concert One" panose="020B0604020202020204" charset="0"/>
-      <p:regular r:id="rId14"/>
+      <p:font typeface="Proxima Nova" panose="020B0604020202020204" charset="0"/>
+      <p:regular r:id="rId11"/>
+      <p:bold r:id="rId12"/>
+      <p:italic r:id="rId13"/>
+      <p:boldItalic r:id="rId14"/>
     </p:embeddedFont>
     <p:embeddedFont>
       <p:font typeface="Archivo" panose="020B0604020202020204" charset="0"/>
@@ -1213,19 +1213,7 @@
             <a:rPr lang="en-US" sz="1800" dirty="0" smtClean="0">
               <a:latin typeface="Concert One" panose="020B0604020202020204" charset="0"/>
             </a:rPr>
-            <a:t>We created </a:t>
-          </a:r>
-          <a:r>
-            <a:rPr lang="en-US" sz="1800" dirty="0" smtClean="0">
-              <a:latin typeface="Concert One" panose="020B0604020202020204" charset="0"/>
-            </a:rPr>
-            <a:t>the </a:t>
-          </a:r>
-          <a:r>
-            <a:rPr lang="en-US" sz="1800" dirty="0" smtClean="0">
-              <a:latin typeface="Concert One" panose="020B0604020202020204" charset="0"/>
-            </a:rPr>
-            <a:t>logo</a:t>
+            <a:t>We created the logo</a:t>
           </a:r>
           <a:endParaRPr lang="en-US" sz="1800" dirty="0">
             <a:latin typeface="Concert One" panose="020B0604020202020204" charset="0"/>
@@ -2073,19 +2061,7 @@
             <a:rPr lang="en-US" sz="1800" kern="1200" dirty="0" smtClean="0">
               <a:latin typeface="Concert One" panose="020B0604020202020204" charset="0"/>
             </a:rPr>
-            <a:t>We created </a:t>
-          </a:r>
-          <a:r>
-            <a:rPr lang="en-US" sz="1800" kern="1200" dirty="0" smtClean="0">
-              <a:latin typeface="Concert One" panose="020B0604020202020204" charset="0"/>
-            </a:rPr>
-            <a:t>the </a:t>
-          </a:r>
-          <a:r>
-            <a:rPr lang="en-US" sz="1800" kern="1200" dirty="0" smtClean="0">
-              <a:latin typeface="Concert One" panose="020B0604020202020204" charset="0"/>
-            </a:rPr>
-            <a:t>logo</a:t>
+            <a:t>We created the logo</a:t>
           </a:r>
           <a:endParaRPr lang="en-US" sz="1800" kern="1200" dirty="0">
             <a:latin typeface="Concert One" panose="020B0604020202020204" charset="0"/>
@@ -19053,583 +19029,6 @@
       </p:grpSpPr>
       <p:sp>
         <p:nvSpPr>
-          <p:cNvPr id="4" name="Title 5"/>
-          <p:cNvSpPr txBox="1">
-            <a:spLocks/>
-          </p:cNvSpPr>
-          <p:nvPr/>
-        </p:nvSpPr>
-        <p:spPr>
-          <a:xfrm>
-            <a:off x="720000" y="59961"/>
-            <a:ext cx="7704000" cy="919419"/>
-          </a:xfrm>
-          <a:prstGeom prst="rect">
-            <a:avLst/>
-          </a:prstGeom>
-          <a:noFill/>
-          <a:ln>
-            <a:noFill/>
-          </a:ln>
-        </p:spPr>
-        <p:txBody>
-          <a:bodyPr spcFirstLastPara="1" wrap="square" lIns="91425" tIns="91425" rIns="91425" bIns="91425" anchor="t" anchorCtr="0">
-            <a:noAutofit/>
-          </a:bodyPr>
-          <a:lstStyle>
-            <a:defPPr marR="0" lvl="0" algn="l" rtl="0">
-              <a:lnSpc>
-                <a:spcPct val="100000"/>
-              </a:lnSpc>
-              <a:spcBef>
-                <a:spcPts val="0"/>
-              </a:spcBef>
-              <a:spcAft>
-                <a:spcPts val="0"/>
-              </a:spcAft>
-            </a:defPPr>
-            <a:lvl1pPr marR="0" lvl="0" algn="ctr" rtl="0" eaLnBrk="1" hangingPunct="1">
-              <a:lnSpc>
-                <a:spcPct val="100000"/>
-              </a:lnSpc>
-              <a:spcBef>
-                <a:spcPts val="0"/>
-              </a:spcBef>
-              <a:spcAft>
-                <a:spcPts val="0"/>
-              </a:spcAft>
-              <a:buClr>
-                <a:schemeClr val="lt2"/>
-              </a:buClr>
-              <a:buSzPts val="3600"/>
-              <a:buFont typeface="Concert One"/>
-              <a:buNone/>
-              <a:defRPr sz="4800" b="0" i="0" u="none" strike="noStrike" cap="none">
-                <a:solidFill>
-                  <a:schemeClr val="lt2"/>
-                </a:solidFill>
-                <a:latin typeface="Concert One"/>
-                <a:ea typeface="Concert One"/>
-                <a:cs typeface="Concert One"/>
-                <a:sym typeface="Concert One"/>
-              </a:defRPr>
-            </a:lvl1pPr>
-            <a:lvl2pPr marR="0" lvl="1" algn="ctr" rtl="0" eaLnBrk="1" hangingPunct="1">
-              <a:lnSpc>
-                <a:spcPct val="100000"/>
-              </a:lnSpc>
-              <a:spcBef>
-                <a:spcPts val="0"/>
-              </a:spcBef>
-              <a:spcAft>
-                <a:spcPts val="0"/>
-              </a:spcAft>
-              <a:buClr>
-                <a:schemeClr val="lt2"/>
-              </a:buClr>
-              <a:buSzPts val="3600"/>
-              <a:buFont typeface="Concert One"/>
-              <a:buNone/>
-              <a:defRPr sz="3600" b="0" i="0" u="none" strike="noStrike" cap="none">
-                <a:solidFill>
-                  <a:schemeClr val="lt2"/>
-                </a:solidFill>
-                <a:latin typeface="Concert One"/>
-                <a:ea typeface="Concert One"/>
-                <a:cs typeface="Concert One"/>
-                <a:sym typeface="Concert One"/>
-              </a:defRPr>
-            </a:lvl2pPr>
-            <a:lvl3pPr marR="0" lvl="2" algn="ctr" rtl="0" eaLnBrk="1" hangingPunct="1">
-              <a:lnSpc>
-                <a:spcPct val="100000"/>
-              </a:lnSpc>
-              <a:spcBef>
-                <a:spcPts val="0"/>
-              </a:spcBef>
-              <a:spcAft>
-                <a:spcPts val="0"/>
-              </a:spcAft>
-              <a:buClr>
-                <a:schemeClr val="lt2"/>
-              </a:buClr>
-              <a:buSzPts val="3600"/>
-              <a:buFont typeface="Concert One"/>
-              <a:buNone/>
-              <a:defRPr sz="3600" b="0" i="0" u="none" strike="noStrike" cap="none">
-                <a:solidFill>
-                  <a:schemeClr val="lt2"/>
-                </a:solidFill>
-                <a:latin typeface="Concert One"/>
-                <a:ea typeface="Concert One"/>
-                <a:cs typeface="Concert One"/>
-                <a:sym typeface="Concert One"/>
-              </a:defRPr>
-            </a:lvl3pPr>
-            <a:lvl4pPr marR="0" lvl="3" algn="ctr" rtl="0" eaLnBrk="1" hangingPunct="1">
-              <a:lnSpc>
-                <a:spcPct val="100000"/>
-              </a:lnSpc>
-              <a:spcBef>
-                <a:spcPts val="0"/>
-              </a:spcBef>
-              <a:spcAft>
-                <a:spcPts val="0"/>
-              </a:spcAft>
-              <a:buClr>
-                <a:schemeClr val="lt2"/>
-              </a:buClr>
-              <a:buSzPts val="3600"/>
-              <a:buFont typeface="Concert One"/>
-              <a:buNone/>
-              <a:defRPr sz="3600" b="0" i="0" u="none" strike="noStrike" cap="none">
-                <a:solidFill>
-                  <a:schemeClr val="lt2"/>
-                </a:solidFill>
-                <a:latin typeface="Concert One"/>
-                <a:ea typeface="Concert One"/>
-                <a:cs typeface="Concert One"/>
-                <a:sym typeface="Concert One"/>
-              </a:defRPr>
-            </a:lvl4pPr>
-            <a:lvl5pPr marR="0" lvl="4" algn="ctr" rtl="0" eaLnBrk="1" hangingPunct="1">
-              <a:lnSpc>
-                <a:spcPct val="100000"/>
-              </a:lnSpc>
-              <a:spcBef>
-                <a:spcPts val="0"/>
-              </a:spcBef>
-              <a:spcAft>
-                <a:spcPts val="0"/>
-              </a:spcAft>
-              <a:buClr>
-                <a:schemeClr val="lt2"/>
-              </a:buClr>
-              <a:buSzPts val="3600"/>
-              <a:buFont typeface="Concert One"/>
-              <a:buNone/>
-              <a:defRPr sz="3600" b="0" i="0" u="none" strike="noStrike" cap="none">
-                <a:solidFill>
-                  <a:schemeClr val="lt2"/>
-                </a:solidFill>
-                <a:latin typeface="Concert One"/>
-                <a:ea typeface="Concert One"/>
-                <a:cs typeface="Concert One"/>
-                <a:sym typeface="Concert One"/>
-              </a:defRPr>
-            </a:lvl5pPr>
-            <a:lvl6pPr marR="0" lvl="5" algn="ctr" rtl="0" eaLnBrk="1" hangingPunct="1">
-              <a:lnSpc>
-                <a:spcPct val="100000"/>
-              </a:lnSpc>
-              <a:spcBef>
-                <a:spcPts val="0"/>
-              </a:spcBef>
-              <a:spcAft>
-                <a:spcPts val="0"/>
-              </a:spcAft>
-              <a:buClr>
-                <a:schemeClr val="lt2"/>
-              </a:buClr>
-              <a:buSzPts val="3600"/>
-              <a:buFont typeface="Concert One"/>
-              <a:buNone/>
-              <a:defRPr sz="3600" b="0" i="0" u="none" strike="noStrike" cap="none">
-                <a:solidFill>
-                  <a:schemeClr val="lt2"/>
-                </a:solidFill>
-                <a:latin typeface="Concert One"/>
-                <a:ea typeface="Concert One"/>
-                <a:cs typeface="Concert One"/>
-                <a:sym typeface="Concert One"/>
-              </a:defRPr>
-            </a:lvl6pPr>
-            <a:lvl7pPr marR="0" lvl="6" algn="ctr" rtl="0" eaLnBrk="1" hangingPunct="1">
-              <a:lnSpc>
-                <a:spcPct val="100000"/>
-              </a:lnSpc>
-              <a:spcBef>
-                <a:spcPts val="0"/>
-              </a:spcBef>
-              <a:spcAft>
-                <a:spcPts val="0"/>
-              </a:spcAft>
-              <a:buClr>
-                <a:schemeClr val="lt2"/>
-              </a:buClr>
-              <a:buSzPts val="3600"/>
-              <a:buFont typeface="Concert One"/>
-              <a:buNone/>
-              <a:defRPr sz="3600" b="0" i="0" u="none" strike="noStrike" cap="none">
-                <a:solidFill>
-                  <a:schemeClr val="lt2"/>
-                </a:solidFill>
-                <a:latin typeface="Concert One"/>
-                <a:ea typeface="Concert One"/>
-                <a:cs typeface="Concert One"/>
-                <a:sym typeface="Concert One"/>
-              </a:defRPr>
-            </a:lvl7pPr>
-            <a:lvl8pPr marR="0" lvl="7" algn="ctr" rtl="0" eaLnBrk="1" hangingPunct="1">
-              <a:lnSpc>
-                <a:spcPct val="100000"/>
-              </a:lnSpc>
-              <a:spcBef>
-                <a:spcPts val="0"/>
-              </a:spcBef>
-              <a:spcAft>
-                <a:spcPts val="0"/>
-              </a:spcAft>
-              <a:buClr>
-                <a:schemeClr val="lt2"/>
-              </a:buClr>
-              <a:buSzPts val="3600"/>
-              <a:buFont typeface="Concert One"/>
-              <a:buNone/>
-              <a:defRPr sz="3600" b="0" i="0" u="none" strike="noStrike" cap="none">
-                <a:solidFill>
-                  <a:schemeClr val="lt2"/>
-                </a:solidFill>
-                <a:latin typeface="Concert One"/>
-                <a:ea typeface="Concert One"/>
-                <a:cs typeface="Concert One"/>
-                <a:sym typeface="Concert One"/>
-              </a:defRPr>
-            </a:lvl8pPr>
-            <a:lvl9pPr marR="0" lvl="8" algn="ctr" rtl="0" eaLnBrk="1" hangingPunct="1">
-              <a:lnSpc>
-                <a:spcPct val="100000"/>
-              </a:lnSpc>
-              <a:spcBef>
-                <a:spcPts val="0"/>
-              </a:spcBef>
-              <a:spcAft>
-                <a:spcPts val="0"/>
-              </a:spcAft>
-              <a:buClr>
-                <a:schemeClr val="lt2"/>
-              </a:buClr>
-              <a:buSzPts val="3600"/>
-              <a:buFont typeface="Concert One"/>
-              <a:buNone/>
-              <a:defRPr sz="3600" b="0" i="0" u="none" strike="noStrike" cap="none">
-                <a:solidFill>
-                  <a:schemeClr val="lt2"/>
-                </a:solidFill>
-                <a:latin typeface="Concert One"/>
-                <a:ea typeface="Concert One"/>
-                <a:cs typeface="Concert One"/>
-                <a:sym typeface="Concert One"/>
-              </a:defRPr>
-            </a:lvl9pPr>
-          </a:lstStyle>
-          <a:p>
-            <a:r>
-              <a:rPr lang="en-US" dirty="0" smtClean="0">
-                <a:effectLst>
-                  <a:outerShdw blurRad="38100" dist="38100" dir="2700000" algn="tl">
-                    <a:srgbClr val="000000">
-                      <a:alpha val="43137"/>
-                    </a:srgbClr>
-                  </a:outerShdw>
-                </a:effectLst>
-              </a:rPr>
-              <a:t>OUR IDEA</a:t>
-            </a:r>
-            <a:endParaRPr lang="bg-BG" dirty="0">
-              <a:effectLst>
-                <a:outerShdw blurRad="38100" dist="38100" dir="2700000" algn="tl">
-                  <a:srgbClr val="000000">
-                    <a:alpha val="43137"/>
-                  </a:srgbClr>
-                </a:outerShdw>
-              </a:effectLst>
-            </a:endParaRPr>
-          </a:p>
-        </p:txBody>
-      </p:sp>
-      <p:sp>
-        <p:nvSpPr>
-          <p:cNvPr id="7" name="Rounded Rectangle 6"/>
-          <p:cNvSpPr/>
-          <p:nvPr/>
-        </p:nvSpPr>
-        <p:spPr>
-          <a:xfrm>
-            <a:off x="466687" y="979380"/>
-            <a:ext cx="8210626" cy="2993013"/>
-          </a:xfrm>
-          <a:prstGeom prst="roundRect">
-            <a:avLst/>
-          </a:prstGeom>
-          <a:solidFill>
-            <a:srgbClr val="EDF8D0"/>
-          </a:solidFill>
-          <a:ln>
-            <a:noFill/>
-          </a:ln>
-          <a:effectLst>
-            <a:innerShdw blurRad="63500" dist="50800" dir="2700000">
-              <a:prstClr val="black">
-                <a:alpha val="50000"/>
-              </a:prstClr>
-            </a:innerShdw>
-          </a:effectLst>
-        </p:spPr>
-        <p:style>
-          <a:lnRef idx="1">
-            <a:schemeClr val="accent2"/>
-          </a:lnRef>
-          <a:fillRef idx="2">
-            <a:schemeClr val="accent2"/>
-          </a:fillRef>
-          <a:effectRef idx="1">
-            <a:schemeClr val="accent2"/>
-          </a:effectRef>
-          <a:fontRef idx="minor">
-            <a:schemeClr val="dk1"/>
-          </a:fontRef>
-        </p:style>
-        <p:txBody>
-          <a:bodyPr rtlCol="0" anchor="ctr"/>
-          <a:lstStyle/>
-          <a:p>
-            <a:pPr algn="ctr"/>
-            <a:endParaRPr lang="bg-BG"/>
-          </a:p>
-        </p:txBody>
-      </p:sp>
-      <p:sp>
-        <p:nvSpPr>
-          <p:cNvPr id="5" name="TextBox 4"/>
-          <p:cNvSpPr txBox="1"/>
-          <p:nvPr/>
-        </p:nvSpPr>
-        <p:spPr>
-          <a:xfrm>
-            <a:off x="802446" y="1898799"/>
-            <a:ext cx="3604662" cy="1938992"/>
-          </a:xfrm>
-          <a:prstGeom prst="rect">
-            <a:avLst/>
-          </a:prstGeom>
-          <a:noFill/>
-        </p:spPr>
-        <p:txBody>
-          <a:bodyPr wrap="square" rtlCol="0">
-            <a:spAutoFit/>
-          </a:bodyPr>
-          <a:lstStyle/>
-          <a:p>
-            <a:r>
-              <a:rPr lang="en-US" sz="2000" dirty="0" smtClean="0">
-                <a:solidFill>
-                  <a:srgbClr val="11B4B4"/>
-                </a:solidFill>
-                <a:latin typeface="Concert One" panose="020B0604020202020204" charset="0"/>
-              </a:rPr>
-              <a:t>Our idea is to create a </a:t>
-            </a:r>
-            <a:r>
-              <a:rPr lang="en-US" sz="2000" dirty="0" err="1">
-                <a:solidFill>
-                  <a:srgbClr val="11B4B4"/>
-                </a:solidFill>
-                <a:latin typeface="Concert One" panose="020B0604020202020204" charset="0"/>
-              </a:rPr>
-              <a:t>s</a:t>
-            </a:r>
-            <a:r>
-              <a:rPr lang="en-US" sz="2000" dirty="0" err="1" smtClean="0">
-                <a:solidFill>
-                  <a:srgbClr val="11B4B4"/>
-                </a:solidFill>
-                <a:latin typeface="Concert One" panose="020B0604020202020204" charset="0"/>
-              </a:rPr>
-              <a:t>ingleplayer</a:t>
-            </a:r>
-            <a:r>
-              <a:rPr lang="en-US" sz="2000" dirty="0" smtClean="0">
-                <a:solidFill>
-                  <a:srgbClr val="11B4B4"/>
-                </a:solidFill>
-                <a:latin typeface="Concert One" panose="020B0604020202020204" charset="0"/>
-              </a:rPr>
-              <a:t> </a:t>
-            </a:r>
-            <a:r>
-              <a:rPr lang="en-US" sz="2000" dirty="0">
-                <a:solidFill>
-                  <a:srgbClr val="11B4B4"/>
-                </a:solidFill>
-                <a:latin typeface="Concert One" panose="020B0604020202020204" charset="0"/>
-              </a:rPr>
-              <a:t>version of </a:t>
-            </a:r>
-            <a:r>
-              <a:rPr lang="en-US" sz="2000" dirty="0" smtClean="0">
-                <a:solidFill>
-                  <a:srgbClr val="11B4B4"/>
-                </a:solidFill>
-                <a:latin typeface="Concert One" panose="020B0604020202020204" charset="0"/>
-              </a:rPr>
-              <a:t>the math </a:t>
-            </a:r>
-            <a:r>
-              <a:rPr lang="en-US" sz="2000" dirty="0">
-                <a:solidFill>
-                  <a:srgbClr val="11B4B4"/>
-                </a:solidFill>
-                <a:latin typeface="Concert One" panose="020B0604020202020204" charset="0"/>
-              </a:rPr>
-              <a:t>game "Bulls and </a:t>
-            </a:r>
-            <a:r>
-              <a:rPr lang="en-US" sz="2000" dirty="0" smtClean="0">
-                <a:solidFill>
-                  <a:srgbClr val="11B4B4"/>
-                </a:solidFill>
-                <a:latin typeface="Concert One" panose="020B0604020202020204" charset="0"/>
-              </a:rPr>
-              <a:t>Cows", </a:t>
-            </a:r>
-            <a:r>
-              <a:rPr lang="en-US" sz="2000" dirty="0">
-                <a:solidFill>
-                  <a:srgbClr val="11B4B4"/>
-                </a:solidFill>
-                <a:latin typeface="Concert One" panose="020B0604020202020204" charset="0"/>
-              </a:rPr>
-              <a:t>which can help you to improve your logical </a:t>
-            </a:r>
-            <a:r>
-              <a:rPr lang="en-US" sz="2000" dirty="0" smtClean="0">
-                <a:solidFill>
-                  <a:srgbClr val="11B4B4"/>
-                </a:solidFill>
-                <a:latin typeface="Concert One" panose="020B0604020202020204" charset="0"/>
-              </a:rPr>
-              <a:t>skills</a:t>
-            </a:r>
-            <a:r>
-              <a:rPr lang="en-US" sz="2000" dirty="0">
-                <a:solidFill>
-                  <a:srgbClr val="11B4B4"/>
-                </a:solidFill>
-                <a:latin typeface="Concert One" panose="020B0604020202020204" charset="0"/>
-              </a:rPr>
-              <a:t>.</a:t>
-            </a:r>
-          </a:p>
-          <a:p>
-            <a:endParaRPr lang="bg-BG" sz="2000" dirty="0">
-              <a:solidFill>
-                <a:srgbClr val="11B4B4"/>
-              </a:solidFill>
-            </a:endParaRPr>
-          </a:p>
-        </p:txBody>
-      </p:sp>
-      <p:pic>
-        <p:nvPicPr>
-          <p:cNvPr id="6" name="Picture 5"/>
-          <p:cNvPicPr>
-            <a:picLocks noChangeAspect="1"/>
-          </p:cNvPicPr>
-          <p:nvPr/>
-        </p:nvPicPr>
-        <p:blipFill>
-          <a:blip r:embed="rId2">
-            <a:extLst>
-              <a:ext uri="{28A0092B-C50C-407E-A947-70E740481C1C}">
-                <a14:useLocalDpi xmlns:a14="http://schemas.microsoft.com/office/drawing/2010/main" val="0"/>
-              </a:ext>
-            </a:extLst>
-          </a:blip>
-          <a:stretch>
-            <a:fillRect/>
-          </a:stretch>
-        </p:blipFill>
-        <p:spPr>
-          <a:xfrm>
-            <a:off x="4352741" y="1394261"/>
-            <a:ext cx="4324572" cy="2330570"/>
-          </a:xfrm>
-          <a:prstGeom prst="rect">
-            <a:avLst/>
-          </a:prstGeom>
-        </p:spPr>
-      </p:pic>
-      <p:pic>
-        <p:nvPicPr>
-          <p:cNvPr id="8" name="Google Shape;146;p33"/>
-          <p:cNvPicPr preferRelativeResize="0"/>
-          <p:nvPr/>
-        </p:nvPicPr>
-        <p:blipFill>
-          <a:blip r:embed="rId3">
-            <a:alphaModFix/>
-          </a:blip>
-          <a:stretch>
-            <a:fillRect/>
-          </a:stretch>
-        </p:blipFill>
-        <p:spPr>
-          <a:xfrm flipH="1">
-            <a:off x="-111045" y="3314038"/>
-            <a:ext cx="1662090" cy="1490794"/>
-          </a:xfrm>
-          <a:prstGeom prst="rect">
-            <a:avLst/>
-          </a:prstGeom>
-          <a:noFill/>
-          <a:ln>
-            <a:noFill/>
-          </a:ln>
-        </p:spPr>
-      </p:pic>
-    </p:spTree>
-    <p:extLst>
-      <p:ext uri="{BB962C8B-B14F-4D97-AF65-F5344CB8AC3E}">
-        <p14:creationId xmlns:p14="http://schemas.microsoft.com/office/powerpoint/2010/main" val="2683352338"/>
-      </p:ext>
-    </p:extLst>
-  </p:cSld>
-  <p:clrMapOvr>
-    <a:masterClrMapping/>
-  </p:clrMapOvr>
-  <p:transition spd="slow">
-    <p:cover/>
-  </p:transition>
-  <p:timing>
-    <p:tnLst>
-      <p:par>
-        <p:cTn id="1" dur="indefinite" restart="never" nodeType="tmRoot"/>
-      </p:par>
-    </p:tnLst>
-  </p:timing>
-</p:sld>
-</file>
-
-<file path=ppt/slides/slide3.xml><?xml version="1.0" encoding="utf-8"?>
-<p:sld xmlns:a="http://schemas.openxmlformats.org/drawingml/2006/main" xmlns:r="http://schemas.openxmlformats.org/officeDocument/2006/relationships" xmlns:p="http://schemas.openxmlformats.org/presentationml/2006/main">
-  <p:cSld>
-    <p:spTree>
-      <p:nvGrpSpPr>
-        <p:cNvPr id="1" name=""/>
-        <p:cNvGrpSpPr/>
-        <p:nvPr/>
-      </p:nvGrpSpPr>
-      <p:grpSpPr>
-        <a:xfrm>
-          <a:off x="0" y="0"/>
-          <a:ext cx="0" cy="0"/>
-          <a:chOff x="0" y="0"/>
-          <a:chExt cx="0" cy="0"/>
-        </a:xfrm>
-      </p:grpSpPr>
-      <p:sp>
-        <p:nvSpPr>
           <p:cNvPr id="6" name="Title 5"/>
           <p:cNvSpPr>
             <a:spLocks noGrp="1"/>
@@ -21233,6 +20632,583 @@
     <p:extLst>
       <p:ext uri="{BB962C8B-B14F-4D97-AF65-F5344CB8AC3E}">
         <p14:creationId xmlns:p14="http://schemas.microsoft.com/office/powerpoint/2010/main" val="2759945948"/>
+      </p:ext>
+    </p:extLst>
+  </p:cSld>
+  <p:clrMapOvr>
+    <a:masterClrMapping/>
+  </p:clrMapOvr>
+  <p:transition spd="slow">
+    <p:cover/>
+  </p:transition>
+  <p:timing>
+    <p:tnLst>
+      <p:par>
+        <p:cTn id="1" dur="indefinite" restart="never" nodeType="tmRoot"/>
+      </p:par>
+    </p:tnLst>
+  </p:timing>
+</p:sld>
+</file>
+
+<file path=ppt/slides/slide3.xml><?xml version="1.0" encoding="utf-8"?>
+<p:sld xmlns:a="http://schemas.openxmlformats.org/drawingml/2006/main" xmlns:r="http://schemas.openxmlformats.org/officeDocument/2006/relationships" xmlns:p="http://schemas.openxmlformats.org/presentationml/2006/main">
+  <p:cSld>
+    <p:spTree>
+      <p:nvGrpSpPr>
+        <p:cNvPr id="1" name=""/>
+        <p:cNvGrpSpPr/>
+        <p:nvPr/>
+      </p:nvGrpSpPr>
+      <p:grpSpPr>
+        <a:xfrm>
+          <a:off x="0" y="0"/>
+          <a:ext cx="0" cy="0"/>
+          <a:chOff x="0" y="0"/>
+          <a:chExt cx="0" cy="0"/>
+        </a:xfrm>
+      </p:grpSpPr>
+      <p:sp>
+        <p:nvSpPr>
+          <p:cNvPr id="4" name="Title 5"/>
+          <p:cNvSpPr txBox="1">
+            <a:spLocks/>
+          </p:cNvSpPr>
+          <p:nvPr/>
+        </p:nvSpPr>
+        <p:spPr>
+          <a:xfrm>
+            <a:off x="720000" y="59961"/>
+            <a:ext cx="7704000" cy="919419"/>
+          </a:xfrm>
+          <a:prstGeom prst="rect">
+            <a:avLst/>
+          </a:prstGeom>
+          <a:noFill/>
+          <a:ln>
+            <a:noFill/>
+          </a:ln>
+        </p:spPr>
+        <p:txBody>
+          <a:bodyPr spcFirstLastPara="1" wrap="square" lIns="91425" tIns="91425" rIns="91425" bIns="91425" anchor="t" anchorCtr="0">
+            <a:noAutofit/>
+          </a:bodyPr>
+          <a:lstStyle>
+            <a:defPPr marR="0" lvl="0" algn="l" rtl="0">
+              <a:lnSpc>
+                <a:spcPct val="100000"/>
+              </a:lnSpc>
+              <a:spcBef>
+                <a:spcPts val="0"/>
+              </a:spcBef>
+              <a:spcAft>
+                <a:spcPts val="0"/>
+              </a:spcAft>
+            </a:defPPr>
+            <a:lvl1pPr marR="0" lvl="0" algn="ctr" rtl="0" eaLnBrk="1" hangingPunct="1">
+              <a:lnSpc>
+                <a:spcPct val="100000"/>
+              </a:lnSpc>
+              <a:spcBef>
+                <a:spcPts val="0"/>
+              </a:spcBef>
+              <a:spcAft>
+                <a:spcPts val="0"/>
+              </a:spcAft>
+              <a:buClr>
+                <a:schemeClr val="lt2"/>
+              </a:buClr>
+              <a:buSzPts val="3600"/>
+              <a:buFont typeface="Concert One"/>
+              <a:buNone/>
+              <a:defRPr sz="4800" b="0" i="0" u="none" strike="noStrike" cap="none">
+                <a:solidFill>
+                  <a:schemeClr val="lt2"/>
+                </a:solidFill>
+                <a:latin typeface="Concert One"/>
+                <a:ea typeface="Concert One"/>
+                <a:cs typeface="Concert One"/>
+                <a:sym typeface="Concert One"/>
+              </a:defRPr>
+            </a:lvl1pPr>
+            <a:lvl2pPr marR="0" lvl="1" algn="ctr" rtl="0" eaLnBrk="1" hangingPunct="1">
+              <a:lnSpc>
+                <a:spcPct val="100000"/>
+              </a:lnSpc>
+              <a:spcBef>
+                <a:spcPts val="0"/>
+              </a:spcBef>
+              <a:spcAft>
+                <a:spcPts val="0"/>
+              </a:spcAft>
+              <a:buClr>
+                <a:schemeClr val="lt2"/>
+              </a:buClr>
+              <a:buSzPts val="3600"/>
+              <a:buFont typeface="Concert One"/>
+              <a:buNone/>
+              <a:defRPr sz="3600" b="0" i="0" u="none" strike="noStrike" cap="none">
+                <a:solidFill>
+                  <a:schemeClr val="lt2"/>
+                </a:solidFill>
+                <a:latin typeface="Concert One"/>
+                <a:ea typeface="Concert One"/>
+                <a:cs typeface="Concert One"/>
+                <a:sym typeface="Concert One"/>
+              </a:defRPr>
+            </a:lvl2pPr>
+            <a:lvl3pPr marR="0" lvl="2" algn="ctr" rtl="0" eaLnBrk="1" hangingPunct="1">
+              <a:lnSpc>
+                <a:spcPct val="100000"/>
+              </a:lnSpc>
+              <a:spcBef>
+                <a:spcPts val="0"/>
+              </a:spcBef>
+              <a:spcAft>
+                <a:spcPts val="0"/>
+              </a:spcAft>
+              <a:buClr>
+                <a:schemeClr val="lt2"/>
+              </a:buClr>
+              <a:buSzPts val="3600"/>
+              <a:buFont typeface="Concert One"/>
+              <a:buNone/>
+              <a:defRPr sz="3600" b="0" i="0" u="none" strike="noStrike" cap="none">
+                <a:solidFill>
+                  <a:schemeClr val="lt2"/>
+                </a:solidFill>
+                <a:latin typeface="Concert One"/>
+                <a:ea typeface="Concert One"/>
+                <a:cs typeface="Concert One"/>
+                <a:sym typeface="Concert One"/>
+              </a:defRPr>
+            </a:lvl3pPr>
+            <a:lvl4pPr marR="0" lvl="3" algn="ctr" rtl="0" eaLnBrk="1" hangingPunct="1">
+              <a:lnSpc>
+                <a:spcPct val="100000"/>
+              </a:lnSpc>
+              <a:spcBef>
+                <a:spcPts val="0"/>
+              </a:spcBef>
+              <a:spcAft>
+                <a:spcPts val="0"/>
+              </a:spcAft>
+              <a:buClr>
+                <a:schemeClr val="lt2"/>
+              </a:buClr>
+              <a:buSzPts val="3600"/>
+              <a:buFont typeface="Concert One"/>
+              <a:buNone/>
+              <a:defRPr sz="3600" b="0" i="0" u="none" strike="noStrike" cap="none">
+                <a:solidFill>
+                  <a:schemeClr val="lt2"/>
+                </a:solidFill>
+                <a:latin typeface="Concert One"/>
+                <a:ea typeface="Concert One"/>
+                <a:cs typeface="Concert One"/>
+                <a:sym typeface="Concert One"/>
+              </a:defRPr>
+            </a:lvl4pPr>
+            <a:lvl5pPr marR="0" lvl="4" algn="ctr" rtl="0" eaLnBrk="1" hangingPunct="1">
+              <a:lnSpc>
+                <a:spcPct val="100000"/>
+              </a:lnSpc>
+              <a:spcBef>
+                <a:spcPts val="0"/>
+              </a:spcBef>
+              <a:spcAft>
+                <a:spcPts val="0"/>
+              </a:spcAft>
+              <a:buClr>
+                <a:schemeClr val="lt2"/>
+              </a:buClr>
+              <a:buSzPts val="3600"/>
+              <a:buFont typeface="Concert One"/>
+              <a:buNone/>
+              <a:defRPr sz="3600" b="0" i="0" u="none" strike="noStrike" cap="none">
+                <a:solidFill>
+                  <a:schemeClr val="lt2"/>
+                </a:solidFill>
+                <a:latin typeface="Concert One"/>
+                <a:ea typeface="Concert One"/>
+                <a:cs typeface="Concert One"/>
+                <a:sym typeface="Concert One"/>
+              </a:defRPr>
+            </a:lvl5pPr>
+            <a:lvl6pPr marR="0" lvl="5" algn="ctr" rtl="0" eaLnBrk="1" hangingPunct="1">
+              <a:lnSpc>
+                <a:spcPct val="100000"/>
+              </a:lnSpc>
+              <a:spcBef>
+                <a:spcPts val="0"/>
+              </a:spcBef>
+              <a:spcAft>
+                <a:spcPts val="0"/>
+              </a:spcAft>
+              <a:buClr>
+                <a:schemeClr val="lt2"/>
+              </a:buClr>
+              <a:buSzPts val="3600"/>
+              <a:buFont typeface="Concert One"/>
+              <a:buNone/>
+              <a:defRPr sz="3600" b="0" i="0" u="none" strike="noStrike" cap="none">
+                <a:solidFill>
+                  <a:schemeClr val="lt2"/>
+                </a:solidFill>
+                <a:latin typeface="Concert One"/>
+                <a:ea typeface="Concert One"/>
+                <a:cs typeface="Concert One"/>
+                <a:sym typeface="Concert One"/>
+              </a:defRPr>
+            </a:lvl6pPr>
+            <a:lvl7pPr marR="0" lvl="6" algn="ctr" rtl="0" eaLnBrk="1" hangingPunct="1">
+              <a:lnSpc>
+                <a:spcPct val="100000"/>
+              </a:lnSpc>
+              <a:spcBef>
+                <a:spcPts val="0"/>
+              </a:spcBef>
+              <a:spcAft>
+                <a:spcPts val="0"/>
+              </a:spcAft>
+              <a:buClr>
+                <a:schemeClr val="lt2"/>
+              </a:buClr>
+              <a:buSzPts val="3600"/>
+              <a:buFont typeface="Concert One"/>
+              <a:buNone/>
+              <a:defRPr sz="3600" b="0" i="0" u="none" strike="noStrike" cap="none">
+                <a:solidFill>
+                  <a:schemeClr val="lt2"/>
+                </a:solidFill>
+                <a:latin typeface="Concert One"/>
+                <a:ea typeface="Concert One"/>
+                <a:cs typeface="Concert One"/>
+                <a:sym typeface="Concert One"/>
+              </a:defRPr>
+            </a:lvl7pPr>
+            <a:lvl8pPr marR="0" lvl="7" algn="ctr" rtl="0" eaLnBrk="1" hangingPunct="1">
+              <a:lnSpc>
+                <a:spcPct val="100000"/>
+              </a:lnSpc>
+              <a:spcBef>
+                <a:spcPts val="0"/>
+              </a:spcBef>
+              <a:spcAft>
+                <a:spcPts val="0"/>
+              </a:spcAft>
+              <a:buClr>
+                <a:schemeClr val="lt2"/>
+              </a:buClr>
+              <a:buSzPts val="3600"/>
+              <a:buFont typeface="Concert One"/>
+              <a:buNone/>
+              <a:defRPr sz="3600" b="0" i="0" u="none" strike="noStrike" cap="none">
+                <a:solidFill>
+                  <a:schemeClr val="lt2"/>
+                </a:solidFill>
+                <a:latin typeface="Concert One"/>
+                <a:ea typeface="Concert One"/>
+                <a:cs typeface="Concert One"/>
+                <a:sym typeface="Concert One"/>
+              </a:defRPr>
+            </a:lvl8pPr>
+            <a:lvl9pPr marR="0" lvl="8" algn="ctr" rtl="0" eaLnBrk="1" hangingPunct="1">
+              <a:lnSpc>
+                <a:spcPct val="100000"/>
+              </a:lnSpc>
+              <a:spcBef>
+                <a:spcPts val="0"/>
+              </a:spcBef>
+              <a:spcAft>
+                <a:spcPts val="0"/>
+              </a:spcAft>
+              <a:buClr>
+                <a:schemeClr val="lt2"/>
+              </a:buClr>
+              <a:buSzPts val="3600"/>
+              <a:buFont typeface="Concert One"/>
+              <a:buNone/>
+              <a:defRPr sz="3600" b="0" i="0" u="none" strike="noStrike" cap="none">
+                <a:solidFill>
+                  <a:schemeClr val="lt2"/>
+                </a:solidFill>
+                <a:latin typeface="Concert One"/>
+                <a:ea typeface="Concert One"/>
+                <a:cs typeface="Concert One"/>
+                <a:sym typeface="Concert One"/>
+              </a:defRPr>
+            </a:lvl9pPr>
+          </a:lstStyle>
+          <a:p>
+            <a:r>
+              <a:rPr lang="en-US" dirty="0" smtClean="0">
+                <a:effectLst>
+                  <a:outerShdw blurRad="38100" dist="38100" dir="2700000" algn="tl">
+                    <a:srgbClr val="000000">
+                      <a:alpha val="43137"/>
+                    </a:srgbClr>
+                  </a:outerShdw>
+                </a:effectLst>
+              </a:rPr>
+              <a:t>OUR IDEA</a:t>
+            </a:r>
+            <a:endParaRPr lang="bg-BG" dirty="0">
+              <a:effectLst>
+                <a:outerShdw blurRad="38100" dist="38100" dir="2700000" algn="tl">
+                  <a:srgbClr val="000000">
+                    <a:alpha val="43137"/>
+                  </a:srgbClr>
+                </a:outerShdw>
+              </a:effectLst>
+            </a:endParaRPr>
+          </a:p>
+        </p:txBody>
+      </p:sp>
+      <p:sp>
+        <p:nvSpPr>
+          <p:cNvPr id="7" name="Rounded Rectangle 6"/>
+          <p:cNvSpPr/>
+          <p:nvPr/>
+        </p:nvSpPr>
+        <p:spPr>
+          <a:xfrm>
+            <a:off x="466687" y="979380"/>
+            <a:ext cx="8210626" cy="2993013"/>
+          </a:xfrm>
+          <a:prstGeom prst="roundRect">
+            <a:avLst/>
+          </a:prstGeom>
+          <a:solidFill>
+            <a:srgbClr val="EDF8D0"/>
+          </a:solidFill>
+          <a:ln>
+            <a:noFill/>
+          </a:ln>
+          <a:effectLst>
+            <a:innerShdw blurRad="63500" dist="50800" dir="2700000">
+              <a:prstClr val="black">
+                <a:alpha val="50000"/>
+              </a:prstClr>
+            </a:innerShdw>
+          </a:effectLst>
+        </p:spPr>
+        <p:style>
+          <a:lnRef idx="1">
+            <a:schemeClr val="accent2"/>
+          </a:lnRef>
+          <a:fillRef idx="2">
+            <a:schemeClr val="accent2"/>
+          </a:fillRef>
+          <a:effectRef idx="1">
+            <a:schemeClr val="accent2"/>
+          </a:effectRef>
+          <a:fontRef idx="minor">
+            <a:schemeClr val="dk1"/>
+          </a:fontRef>
+        </p:style>
+        <p:txBody>
+          <a:bodyPr rtlCol="0" anchor="ctr"/>
+          <a:lstStyle/>
+          <a:p>
+            <a:pPr algn="ctr"/>
+            <a:endParaRPr lang="bg-BG"/>
+          </a:p>
+        </p:txBody>
+      </p:sp>
+      <p:sp>
+        <p:nvSpPr>
+          <p:cNvPr id="5" name="TextBox 4"/>
+          <p:cNvSpPr txBox="1"/>
+          <p:nvPr/>
+        </p:nvSpPr>
+        <p:spPr>
+          <a:xfrm>
+            <a:off x="824931" y="1666451"/>
+            <a:ext cx="3604662" cy="1938992"/>
+          </a:xfrm>
+          <a:prstGeom prst="rect">
+            <a:avLst/>
+          </a:prstGeom>
+          <a:noFill/>
+        </p:spPr>
+        <p:txBody>
+          <a:bodyPr wrap="square" rtlCol="0">
+            <a:spAutoFit/>
+          </a:bodyPr>
+          <a:lstStyle/>
+          <a:p>
+            <a:r>
+              <a:rPr lang="en-US" sz="2000" dirty="0" smtClean="0">
+                <a:solidFill>
+                  <a:srgbClr val="11B4B4"/>
+                </a:solidFill>
+                <a:latin typeface="Concert One" panose="020B0604020202020204" charset="0"/>
+              </a:rPr>
+              <a:t>Our idea is to create a </a:t>
+            </a:r>
+            <a:r>
+              <a:rPr lang="en-US" sz="2000" dirty="0" err="1">
+                <a:solidFill>
+                  <a:srgbClr val="11B4B4"/>
+                </a:solidFill>
+                <a:latin typeface="Concert One" panose="020B0604020202020204" charset="0"/>
+              </a:rPr>
+              <a:t>s</a:t>
+            </a:r>
+            <a:r>
+              <a:rPr lang="en-US" sz="2000" dirty="0" err="1" smtClean="0">
+                <a:solidFill>
+                  <a:srgbClr val="11B4B4"/>
+                </a:solidFill>
+                <a:latin typeface="Concert One" panose="020B0604020202020204" charset="0"/>
+              </a:rPr>
+              <a:t>ingleplayer</a:t>
+            </a:r>
+            <a:r>
+              <a:rPr lang="en-US" sz="2000" dirty="0" smtClean="0">
+                <a:solidFill>
+                  <a:srgbClr val="11B4B4"/>
+                </a:solidFill>
+                <a:latin typeface="Concert One" panose="020B0604020202020204" charset="0"/>
+              </a:rPr>
+              <a:t> </a:t>
+            </a:r>
+            <a:r>
+              <a:rPr lang="en-US" sz="2000" dirty="0">
+                <a:solidFill>
+                  <a:srgbClr val="11B4B4"/>
+                </a:solidFill>
+                <a:latin typeface="Concert One" panose="020B0604020202020204" charset="0"/>
+              </a:rPr>
+              <a:t>version of </a:t>
+            </a:r>
+            <a:r>
+              <a:rPr lang="en-US" sz="2000" dirty="0" smtClean="0">
+                <a:solidFill>
+                  <a:srgbClr val="11B4B4"/>
+                </a:solidFill>
+                <a:latin typeface="Concert One" panose="020B0604020202020204" charset="0"/>
+              </a:rPr>
+              <a:t>the math </a:t>
+            </a:r>
+            <a:r>
+              <a:rPr lang="en-US" sz="2000" dirty="0">
+                <a:solidFill>
+                  <a:srgbClr val="11B4B4"/>
+                </a:solidFill>
+                <a:latin typeface="Concert One" panose="020B0604020202020204" charset="0"/>
+              </a:rPr>
+              <a:t>game "Bulls and </a:t>
+            </a:r>
+            <a:r>
+              <a:rPr lang="en-US" sz="2000" dirty="0" smtClean="0">
+                <a:solidFill>
+                  <a:srgbClr val="11B4B4"/>
+                </a:solidFill>
+                <a:latin typeface="Concert One" panose="020B0604020202020204" charset="0"/>
+              </a:rPr>
+              <a:t>Cows", </a:t>
+            </a:r>
+            <a:r>
+              <a:rPr lang="en-US" sz="2000" dirty="0">
+                <a:solidFill>
+                  <a:srgbClr val="11B4B4"/>
+                </a:solidFill>
+                <a:latin typeface="Concert One" panose="020B0604020202020204" charset="0"/>
+              </a:rPr>
+              <a:t>which can help you to improve your logical </a:t>
+            </a:r>
+            <a:r>
+              <a:rPr lang="en-US" sz="2000" dirty="0" smtClean="0">
+                <a:solidFill>
+                  <a:srgbClr val="11B4B4"/>
+                </a:solidFill>
+                <a:latin typeface="Concert One" panose="020B0604020202020204" charset="0"/>
+              </a:rPr>
+              <a:t>skills</a:t>
+            </a:r>
+            <a:r>
+              <a:rPr lang="en-US" sz="2000" dirty="0">
+                <a:solidFill>
+                  <a:srgbClr val="11B4B4"/>
+                </a:solidFill>
+                <a:latin typeface="Concert One" panose="020B0604020202020204" charset="0"/>
+              </a:rPr>
+              <a:t>.</a:t>
+            </a:r>
+          </a:p>
+          <a:p>
+            <a:endParaRPr lang="bg-BG" sz="2000" dirty="0">
+              <a:solidFill>
+                <a:srgbClr val="11B4B4"/>
+              </a:solidFill>
+            </a:endParaRPr>
+          </a:p>
+        </p:txBody>
+      </p:sp>
+      <p:pic>
+        <p:nvPicPr>
+          <p:cNvPr id="6" name="Picture 5"/>
+          <p:cNvPicPr>
+            <a:picLocks noChangeAspect="1"/>
+          </p:cNvPicPr>
+          <p:nvPr/>
+        </p:nvPicPr>
+        <p:blipFill>
+          <a:blip r:embed="rId2">
+            <a:extLst>
+              <a:ext uri="{28A0092B-C50C-407E-A947-70E740481C1C}">
+                <a14:useLocalDpi xmlns:a14="http://schemas.microsoft.com/office/drawing/2010/main" val="0"/>
+              </a:ext>
+            </a:extLst>
+          </a:blip>
+          <a:stretch>
+            <a:fillRect/>
+          </a:stretch>
+        </p:blipFill>
+        <p:spPr>
+          <a:xfrm>
+            <a:off x="4352741" y="1310601"/>
+            <a:ext cx="4324572" cy="2330570"/>
+          </a:xfrm>
+          <a:prstGeom prst="rect">
+            <a:avLst/>
+          </a:prstGeom>
+        </p:spPr>
+      </p:pic>
+      <p:pic>
+        <p:nvPicPr>
+          <p:cNvPr id="8" name="Google Shape;146;p33"/>
+          <p:cNvPicPr preferRelativeResize="0"/>
+          <p:nvPr/>
+        </p:nvPicPr>
+        <p:blipFill>
+          <a:blip r:embed="rId3">
+            <a:alphaModFix/>
+          </a:blip>
+          <a:stretch>
+            <a:fillRect/>
+          </a:stretch>
+        </p:blipFill>
+        <p:spPr>
+          <a:xfrm flipH="1">
+            <a:off x="-111045" y="3314038"/>
+            <a:ext cx="1662090" cy="1490794"/>
+          </a:xfrm>
+          <a:prstGeom prst="rect">
+            <a:avLst/>
+          </a:prstGeom>
+          <a:noFill/>
+          <a:ln>
+            <a:noFill/>
+          </a:ln>
+        </p:spPr>
+      </p:pic>
+    </p:spTree>
+    <p:extLst>
+      <p:ext uri="{BB962C8B-B14F-4D97-AF65-F5344CB8AC3E}">
+        <p14:creationId xmlns:p14="http://schemas.microsoft.com/office/powerpoint/2010/main" val="2683352338"/>
       </p:ext>
     </p:extLst>
   </p:cSld>
@@ -22555,7 +22531,19 @@
                   </a:outerShdw>
                 </a:effectLst>
               </a:rPr>
-              <a:t>Now let us guide you to our game!</a:t>
+              <a:t>Now let us guide you to our </a:t>
+            </a:r>
+            <a:r>
+              <a:rPr lang="en-US" sz="4800" b="1" dirty="0" smtClean="0">
+                <a:effectLst>
+                  <a:outerShdw blurRad="38100" dist="38100" dir="2700000" algn="tl">
+                    <a:srgbClr val="000000">
+                      <a:alpha val="43137"/>
+                    </a:srgbClr>
+                  </a:outerShdw>
+                </a:effectLst>
+              </a:rPr>
+              <a:t>repository!</a:t>
             </a:r>
             <a:endParaRPr lang="bg-BG" sz="7200" b="1" dirty="0">
               <a:effectLst>
